--- a/presentation_15may.pptx
+++ b/presentation_15may.pptx
@@ -5,7 +5,7 @@
     <p:sldMasterId id="2147483648" r:id="rId1"/>
   </p:sldMasterIdLst>
   <p:notesMasterIdLst>
-    <p:notesMasterId r:id="rId19"/>
+    <p:notesMasterId r:id="rId21"/>
   </p:notesMasterIdLst>
   <p:sldIdLst>
     <p:sldId id="257" r:id="rId2"/>
@@ -13,18 +13,20 @@
     <p:sldId id="259" r:id="rId4"/>
     <p:sldId id="260" r:id="rId5"/>
     <p:sldId id="261" r:id="rId6"/>
-    <p:sldId id="270" r:id="rId7"/>
-    <p:sldId id="268" r:id="rId8"/>
-    <p:sldId id="269" r:id="rId9"/>
-    <p:sldId id="271" r:id="rId10"/>
-    <p:sldId id="272" r:id="rId11"/>
-    <p:sldId id="273" r:id="rId12"/>
-    <p:sldId id="274" r:id="rId13"/>
-    <p:sldId id="275" r:id="rId14"/>
-    <p:sldId id="262" r:id="rId15"/>
-    <p:sldId id="263" r:id="rId16"/>
-    <p:sldId id="264" r:id="rId17"/>
-    <p:sldId id="266" r:id="rId18"/>
+    <p:sldId id="277" r:id="rId7"/>
+    <p:sldId id="276" r:id="rId8"/>
+    <p:sldId id="270" r:id="rId9"/>
+    <p:sldId id="268" r:id="rId10"/>
+    <p:sldId id="269" r:id="rId11"/>
+    <p:sldId id="271" r:id="rId12"/>
+    <p:sldId id="272" r:id="rId13"/>
+    <p:sldId id="273" r:id="rId14"/>
+    <p:sldId id="274" r:id="rId15"/>
+    <p:sldId id="275" r:id="rId16"/>
+    <p:sldId id="262" r:id="rId17"/>
+    <p:sldId id="263" r:id="rId18"/>
+    <p:sldId id="264" r:id="rId19"/>
+    <p:sldId id="266" r:id="rId20"/>
   </p:sldIdLst>
   <p:sldSz cx="9144000" cy="6858000" type="screen4x3"/>
   <p:notesSz cx="6858000" cy="9144000"/>
@@ -125,7 +127,7 @@
   </p:defaultTextStyle>
   <p:extLst>
     <p:ext uri="{EFAFB233-063F-42B5-8137-9DF3F51BA10A}">
-      <p15:sldGuideLst xmlns:p15="http://schemas.microsoft.com/office/powerpoint/2012/main">
+      <p15:sldGuideLst xmlns="" xmlns:p15="http://schemas.microsoft.com/office/powerpoint/2012/main">
         <p15:guide id="1" orient="horz" pos="2160">
           <p15:clr>
             <a:srgbClr val="A4A3A4"/>
@@ -224,7 +226,7 @@
           <a:p>
             <a:fld id="{67DEBA2E-950D-3F4E-9B7D-DFF7271A6C41}" type="datetimeFigureOut">
               <a:rPr lang="it-IT" smtClean="0"/>
-              <a:t>12/05/2017</a:t>
+              <a:t>14/05/17</a:t>
             </a:fld>
             <a:endParaRPr lang="it-IT"/>
           </a:p>
@@ -382,7 +384,7 @@
           <a:p>
             <a:fld id="{FF91478A-5EF5-5447-BDFC-0B674FC5C211}" type="slidenum">
               <a:rPr lang="it-IT" smtClean="0"/>
-              <a:t>‹#›</a:t>
+              <a:t>‹n.›</a:t>
             </a:fld>
             <a:endParaRPr lang="it-IT"/>
           </a:p>
@@ -754,7 +756,7 @@
           <a:p>
             <a:fld id="{433D94D8-B518-8E4D-9428-5C487BAC9E7C}" type="datetimeFigureOut">
               <a:rPr lang="it-IT" smtClean="0"/>
-              <a:t>12/05/2017</a:t>
+              <a:t>14/05/17</a:t>
             </a:fld>
             <a:endParaRPr lang="it-IT"/>
           </a:p>
@@ -796,7 +798,7 @@
           <a:p>
             <a:fld id="{A0186AE1-3B05-9445-8678-55BCFB76FA17}" type="slidenum">
               <a:rPr lang="it-IT" smtClean="0"/>
-              <a:t>‹#›</a:t>
+              <a:t>‹n.›</a:t>
             </a:fld>
             <a:endParaRPr lang="it-IT"/>
           </a:p>
@@ -922,7 +924,7 @@
           <a:p>
             <a:fld id="{433D94D8-B518-8E4D-9428-5C487BAC9E7C}" type="datetimeFigureOut">
               <a:rPr lang="it-IT" smtClean="0"/>
-              <a:t>12/05/2017</a:t>
+              <a:t>14/05/17</a:t>
             </a:fld>
             <a:endParaRPr lang="it-IT"/>
           </a:p>
@@ -964,7 +966,7 @@
           <a:p>
             <a:fld id="{A0186AE1-3B05-9445-8678-55BCFB76FA17}" type="slidenum">
               <a:rPr lang="it-IT" smtClean="0"/>
-              <a:t>‹#›</a:t>
+              <a:t>‹n.›</a:t>
             </a:fld>
             <a:endParaRPr lang="it-IT"/>
           </a:p>
@@ -1100,7 +1102,7 @@
           <a:p>
             <a:fld id="{433D94D8-B518-8E4D-9428-5C487BAC9E7C}" type="datetimeFigureOut">
               <a:rPr lang="it-IT" smtClean="0"/>
-              <a:t>12/05/2017</a:t>
+              <a:t>14/05/17</a:t>
             </a:fld>
             <a:endParaRPr lang="it-IT"/>
           </a:p>
@@ -1142,7 +1144,7 @@
           <a:p>
             <a:fld id="{A0186AE1-3B05-9445-8678-55BCFB76FA17}" type="slidenum">
               <a:rPr lang="it-IT" smtClean="0"/>
-              <a:t>‹#›</a:t>
+              <a:t>‹n.›</a:t>
             </a:fld>
             <a:endParaRPr lang="it-IT"/>
           </a:p>
@@ -1268,7 +1270,7 @@
           <a:p>
             <a:fld id="{433D94D8-B518-8E4D-9428-5C487BAC9E7C}" type="datetimeFigureOut">
               <a:rPr lang="it-IT" smtClean="0"/>
-              <a:t>12/05/2017</a:t>
+              <a:t>14/05/17</a:t>
             </a:fld>
             <a:endParaRPr lang="it-IT"/>
           </a:p>
@@ -1310,7 +1312,7 @@
           <a:p>
             <a:fld id="{A0186AE1-3B05-9445-8678-55BCFB76FA17}" type="slidenum">
               <a:rPr lang="it-IT" smtClean="0"/>
-              <a:t>‹#›</a:t>
+              <a:t>‹n.›</a:t>
             </a:fld>
             <a:endParaRPr lang="it-IT"/>
           </a:p>
@@ -1513,7 +1515,7 @@
           <a:p>
             <a:fld id="{433D94D8-B518-8E4D-9428-5C487BAC9E7C}" type="datetimeFigureOut">
               <a:rPr lang="it-IT" smtClean="0"/>
-              <a:t>12/05/2017</a:t>
+              <a:t>14/05/17</a:t>
             </a:fld>
             <a:endParaRPr lang="it-IT"/>
           </a:p>
@@ -1555,7 +1557,7 @@
           <a:p>
             <a:fld id="{A0186AE1-3B05-9445-8678-55BCFB76FA17}" type="slidenum">
               <a:rPr lang="it-IT" smtClean="0"/>
-              <a:t>‹#›</a:t>
+              <a:t>‹n.›</a:t>
             </a:fld>
             <a:endParaRPr lang="it-IT"/>
           </a:p>
@@ -1798,7 +1800,7 @@
           <a:p>
             <a:fld id="{433D94D8-B518-8E4D-9428-5C487BAC9E7C}" type="datetimeFigureOut">
               <a:rPr lang="it-IT" smtClean="0"/>
-              <a:t>12/05/2017</a:t>
+              <a:t>14/05/17</a:t>
             </a:fld>
             <a:endParaRPr lang="it-IT"/>
           </a:p>
@@ -1840,7 +1842,7 @@
           <a:p>
             <a:fld id="{A0186AE1-3B05-9445-8678-55BCFB76FA17}" type="slidenum">
               <a:rPr lang="it-IT" smtClean="0"/>
-              <a:t>‹#›</a:t>
+              <a:t>‹n.›</a:t>
             </a:fld>
             <a:endParaRPr lang="it-IT"/>
           </a:p>
@@ -2217,7 +2219,7 @@
           <a:p>
             <a:fld id="{433D94D8-B518-8E4D-9428-5C487BAC9E7C}" type="datetimeFigureOut">
               <a:rPr lang="it-IT" smtClean="0"/>
-              <a:t>12/05/2017</a:t>
+              <a:t>14/05/17</a:t>
             </a:fld>
             <a:endParaRPr lang="it-IT"/>
           </a:p>
@@ -2259,7 +2261,7 @@
           <a:p>
             <a:fld id="{A0186AE1-3B05-9445-8678-55BCFB76FA17}" type="slidenum">
               <a:rPr lang="it-IT" smtClean="0"/>
-              <a:t>‹#›</a:t>
+              <a:t>‹n.›</a:t>
             </a:fld>
             <a:endParaRPr lang="it-IT"/>
           </a:p>
@@ -2334,7 +2336,7 @@
           <a:p>
             <a:fld id="{433D94D8-B518-8E4D-9428-5C487BAC9E7C}" type="datetimeFigureOut">
               <a:rPr lang="it-IT" smtClean="0"/>
-              <a:t>12/05/2017</a:t>
+              <a:t>14/05/17</a:t>
             </a:fld>
             <a:endParaRPr lang="it-IT"/>
           </a:p>
@@ -2376,7 +2378,7 @@
           <a:p>
             <a:fld id="{A0186AE1-3B05-9445-8678-55BCFB76FA17}" type="slidenum">
               <a:rPr lang="it-IT" smtClean="0"/>
-              <a:t>‹#›</a:t>
+              <a:t>‹n.›</a:t>
             </a:fld>
             <a:endParaRPr lang="it-IT"/>
           </a:p>
@@ -2429,7 +2431,7 @@
           <a:p>
             <a:fld id="{433D94D8-B518-8E4D-9428-5C487BAC9E7C}" type="datetimeFigureOut">
               <a:rPr lang="it-IT" smtClean="0"/>
-              <a:t>12/05/2017</a:t>
+              <a:t>14/05/17</a:t>
             </a:fld>
             <a:endParaRPr lang="it-IT"/>
           </a:p>
@@ -2471,7 +2473,7 @@
           <a:p>
             <a:fld id="{A0186AE1-3B05-9445-8678-55BCFB76FA17}" type="slidenum">
               <a:rPr lang="it-IT" smtClean="0"/>
-              <a:t>‹#›</a:t>
+              <a:t>‹n.›</a:t>
             </a:fld>
             <a:endParaRPr lang="it-IT"/>
           </a:p>
@@ -2704,7 +2706,7 @@
           <a:p>
             <a:fld id="{433D94D8-B518-8E4D-9428-5C487BAC9E7C}" type="datetimeFigureOut">
               <a:rPr lang="it-IT" smtClean="0"/>
-              <a:t>12/05/2017</a:t>
+              <a:t>14/05/17</a:t>
             </a:fld>
             <a:endParaRPr lang="it-IT"/>
           </a:p>
@@ -2746,7 +2748,7 @@
           <a:p>
             <a:fld id="{A0186AE1-3B05-9445-8678-55BCFB76FA17}" type="slidenum">
               <a:rPr lang="it-IT" smtClean="0"/>
-              <a:t>‹#›</a:t>
+              <a:t>‹n.›</a:t>
             </a:fld>
             <a:endParaRPr lang="it-IT"/>
           </a:p>
@@ -2956,7 +2958,7 @@
           <a:p>
             <a:fld id="{433D94D8-B518-8E4D-9428-5C487BAC9E7C}" type="datetimeFigureOut">
               <a:rPr lang="it-IT" smtClean="0"/>
-              <a:t>12/05/2017</a:t>
+              <a:t>14/05/17</a:t>
             </a:fld>
             <a:endParaRPr lang="it-IT"/>
           </a:p>
@@ -2998,7 +3000,7 @@
           <a:p>
             <a:fld id="{A0186AE1-3B05-9445-8678-55BCFB76FA17}" type="slidenum">
               <a:rPr lang="it-IT" smtClean="0"/>
-              <a:t>‹#›</a:t>
+              <a:t>‹n.›</a:t>
             </a:fld>
             <a:endParaRPr lang="it-IT"/>
           </a:p>
@@ -3167,7 +3169,7 @@
           <a:p>
             <a:fld id="{433D94D8-B518-8E4D-9428-5C487BAC9E7C}" type="datetimeFigureOut">
               <a:rPr lang="it-IT" smtClean="0"/>
-              <a:t>12/05/2017</a:t>
+              <a:t>14/05/17</a:t>
             </a:fld>
             <a:endParaRPr lang="it-IT"/>
           </a:p>
@@ -3245,7 +3247,7 @@
           <a:p>
             <a:fld id="{A0186AE1-3B05-9445-8678-55BCFB76FA17}" type="slidenum">
               <a:rPr lang="it-IT" smtClean="0"/>
-              <a:t>‹#›</a:t>
+              <a:t>‹n.›</a:t>
             </a:fld>
             <a:endParaRPr lang="it-IT"/>
           </a:p>
@@ -3850,7 +3852,7 @@
                   <a:srgbClr val="660066"/>
                 </a:solidFill>
               </a:rPr>
-              <a:t>12-May-17</a:t>
+              <a:t>14/05/17</a:t>
             </a:fld>
             <a:endParaRPr lang="it-IT" b="1" dirty="0">
               <a:solidFill>
@@ -3930,6 +3932,13 @@
   <p:clrMapOvr>
     <a:masterClrMapping/>
   </p:clrMapOvr>
+  <p:timing>
+    <p:tnLst>
+      <p:par>
+        <p:cTn xmlns:p14="http://schemas.microsoft.com/office/powerpoint/2010/main" id="1" dur="indefinite" restart="never" nodeType="tmRoot"/>
+      </p:par>
+    </p:tnLst>
+  </p:timing>
 </p:sld>
 </file>
 
@@ -4027,7 +4036,7 @@
           <a:p>
             <a:fld id="{B1253229-7213-8B4A-8845-FC7D050562D2}" type="datetime1">
               <a:rPr lang="en-US" smtClean="0"/>
-              <a:t>12-May-17</a:t>
+              <a:t>14/05/17</a:t>
             </a:fld>
             <a:endParaRPr lang="it-IT"/>
           </a:p>
@@ -4091,38 +4100,62 @@
       </p:sp>
       <p:pic>
         <p:nvPicPr>
-          <p:cNvPr id="3" name="Picture 2"/>
+          <p:cNvPr id="3078" name="Picture 6" descr="https://raw.githubusercontent.com/InternetOfTrash/iot-docs/master/images/Screenshot%20from%202017-05-12%2014-29-08.png"/>
           <p:cNvPicPr>
-            <a:picLocks noChangeAspect="1"/>
+            <a:picLocks noChangeAspect="1" noChangeArrowheads="1"/>
           </p:cNvPicPr>
           <p:nvPr/>
         </p:nvPicPr>
         <p:blipFill>
-          <a:blip r:embed="rId3"/>
+          <a:blip r:embed="rId3">
+            <a:extLst>
+              <a:ext uri="{28A0092B-C50C-407E-A947-70E740481C1C}">
+                <a14:useLocalDpi xmlns:a14="http://schemas.microsoft.com/office/drawing/2010/main" val="0"/>
+              </a:ext>
+            </a:extLst>
+          </a:blip>
+          <a:srcRect/>
           <a:stretch>
             <a:fillRect/>
           </a:stretch>
         </p:blipFill>
-        <p:spPr>
-          <a:xfrm>
-            <a:off x="2251481" y="1495155"/>
-            <a:ext cx="4641037" cy="4698906"/>
+        <p:spPr bwMode="auto">
+          <a:xfrm>
+            <a:off x="183728" y="1219200"/>
+            <a:ext cx="8826160" cy="4584700"/>
           </a:xfrm>
           <a:prstGeom prst="rect">
             <a:avLst/>
           </a:prstGeom>
+          <a:noFill/>
+          <a:extLst>
+            <a:ext uri="{909E8E84-426E-40dd-AFC4-6F175D3DCCD1}">
+              <a14:hiddenFill xmlns:a14="http://schemas.microsoft.com/office/drawing/2010/main">
+                <a:solidFill>
+                  <a:srgbClr val="FFFFFF"/>
+                </a:solidFill>
+              </a14:hiddenFill>
+            </a:ext>
+          </a:extLst>
         </p:spPr>
       </p:pic>
     </p:spTree>
     <p:extLst>
       <p:ext uri="{BB962C8B-B14F-4D97-AF65-F5344CB8AC3E}">
-        <p14:creationId xmlns:p14="http://schemas.microsoft.com/office/powerpoint/2010/main" val="3166693355"/>
+        <p14:creationId xmlns:p14="http://schemas.microsoft.com/office/powerpoint/2010/main" val="1359349170"/>
       </p:ext>
     </p:extLst>
   </p:cSld>
   <p:clrMapOvr>
     <a:masterClrMapping/>
   </p:clrMapOvr>
+  <p:timing>
+    <p:tnLst>
+      <p:par>
+        <p:cTn xmlns:p14="http://schemas.microsoft.com/office/powerpoint/2010/main" id="1" dur="indefinite" restart="never" nodeType="tmRoot"/>
+      </p:par>
+    </p:tnLst>
+  </p:timing>
 </p:sld>
 </file>
 
@@ -4220,7 +4253,7 @@
           <a:p>
             <a:fld id="{B1253229-7213-8B4A-8845-FC7D050562D2}" type="datetime1">
               <a:rPr lang="en-US" smtClean="0"/>
-              <a:t>12-May-17</a:t>
+              <a:t>14/05/17</a:t>
             </a:fld>
             <a:endParaRPr lang="it-IT"/>
           </a:p>
@@ -4298,8 +4331,32 @@
         </p:blipFill>
         <p:spPr>
           <a:xfrm>
-            <a:off x="2731008" y="1581951"/>
-            <a:ext cx="4736996" cy="4752579"/>
+            <a:off x="4691401" y="1526824"/>
+            <a:ext cx="3995399" cy="4829526"/>
+          </a:xfrm>
+          <a:prstGeom prst="rect">
+            <a:avLst/>
+          </a:prstGeom>
+        </p:spPr>
+      </p:pic>
+      <p:pic>
+        <p:nvPicPr>
+          <p:cNvPr id="7" name="Picture 6"/>
+          <p:cNvPicPr>
+            <a:picLocks noChangeAspect="1"/>
+          </p:cNvPicPr>
+          <p:nvPr/>
+        </p:nvPicPr>
+        <p:blipFill>
+          <a:blip r:embed="rId4"/>
+          <a:stretch>
+            <a:fillRect/>
+          </a:stretch>
+        </p:blipFill>
+        <p:spPr>
+          <a:xfrm>
+            <a:off x="185319" y="1526824"/>
+            <a:ext cx="3699739" cy="4829525"/>
           </a:xfrm>
           <a:prstGeom prst="rect">
             <a:avLst/>
@@ -4309,13 +4366,20 @@
     </p:spTree>
     <p:extLst>
       <p:ext uri="{BB962C8B-B14F-4D97-AF65-F5344CB8AC3E}">
-        <p14:creationId xmlns:p14="http://schemas.microsoft.com/office/powerpoint/2010/main" val="183359574"/>
+        <p14:creationId xmlns:p14="http://schemas.microsoft.com/office/powerpoint/2010/main" val="3588224205"/>
       </p:ext>
     </p:extLst>
   </p:cSld>
   <p:clrMapOvr>
     <a:masterClrMapping/>
   </p:clrMapOvr>
+  <p:timing>
+    <p:tnLst>
+      <p:par>
+        <p:cTn xmlns:p14="http://schemas.microsoft.com/office/powerpoint/2010/main" id="1" dur="indefinite" restart="never" nodeType="tmRoot"/>
+      </p:par>
+    </p:tnLst>
+  </p:timing>
 </p:sld>
 </file>
 
@@ -4413,7 +4477,7 @@
           <a:p>
             <a:fld id="{B1253229-7213-8B4A-8845-FC7D050562D2}" type="datetime1">
               <a:rPr lang="en-US" smtClean="0"/>
-              <a:t>12-May-17</a:t>
+              <a:t>14/05/17</a:t>
             </a:fld>
             <a:endParaRPr lang="it-IT"/>
           </a:p>
@@ -4491,8 +4555,8 @@
         </p:blipFill>
         <p:spPr>
           <a:xfrm>
-            <a:off x="841248" y="1863590"/>
-            <a:ext cx="6876288" cy="4200399"/>
+            <a:off x="2251481" y="1495155"/>
+            <a:ext cx="4641037" cy="4698906"/>
           </a:xfrm>
           <a:prstGeom prst="rect">
             <a:avLst/>
@@ -4502,13 +4566,20 @@
     </p:spTree>
     <p:extLst>
       <p:ext uri="{BB962C8B-B14F-4D97-AF65-F5344CB8AC3E}">
-        <p14:creationId xmlns:p14="http://schemas.microsoft.com/office/powerpoint/2010/main" val="2610277836"/>
+        <p14:creationId xmlns:p14="http://schemas.microsoft.com/office/powerpoint/2010/main" val="3166693355"/>
       </p:ext>
     </p:extLst>
   </p:cSld>
   <p:clrMapOvr>
     <a:masterClrMapping/>
   </p:clrMapOvr>
+  <p:timing>
+    <p:tnLst>
+      <p:par>
+        <p:cTn xmlns:p14="http://schemas.microsoft.com/office/powerpoint/2010/main" id="1" dur="indefinite" restart="never" nodeType="tmRoot"/>
+      </p:par>
+    </p:tnLst>
+  </p:timing>
 </p:sld>
 </file>
 
@@ -4606,7 +4677,7 @@
           <a:p>
             <a:fld id="{B1253229-7213-8B4A-8845-FC7D050562D2}" type="datetime1">
               <a:rPr lang="en-US" smtClean="0"/>
-              <a:t>12-May-17</a:t>
+              <a:t>14/05/17</a:t>
             </a:fld>
             <a:endParaRPr lang="it-IT"/>
           </a:p>
@@ -4630,6 +4701,406 @@
             <a:fld id="{6A22E5DC-92A3-8C4E-A8C6-64AFAF2C8E0F}" type="slidenum">
               <a:rPr lang="it-IT" smtClean="0"/>
               <a:t>13</a:t>
+            </a:fld>
+            <a:endParaRPr lang="it-IT"/>
+          </a:p>
+        </p:txBody>
+      </p:sp>
+      <p:sp>
+        <p:nvSpPr>
+          <p:cNvPr id="12" name="Titolo 1"/>
+          <p:cNvSpPr>
+            <a:spLocks noGrp="1"/>
+          </p:cNvSpPr>
+          <p:nvPr>
+            <p:ph type="title"/>
+          </p:nvPr>
+        </p:nvSpPr>
+        <p:spPr>
+          <a:xfrm>
+            <a:off x="457199" y="274638"/>
+            <a:ext cx="5271912" cy="794476"/>
+          </a:xfrm>
+        </p:spPr>
+        <p:txBody>
+          <a:bodyPr>
+            <a:normAutofit/>
+          </a:bodyPr>
+          <a:lstStyle/>
+          <a:p>
+            <a:r>
+              <a:rPr lang="it-IT" b="1" dirty="0">
+                <a:solidFill>
+                  <a:srgbClr val="660066"/>
+                </a:solidFill>
+              </a:rPr>
+              <a:t>Results</a:t>
+            </a:r>
+          </a:p>
+        </p:txBody>
+      </p:sp>
+      <p:pic>
+        <p:nvPicPr>
+          <p:cNvPr id="3" name="Picture 2"/>
+          <p:cNvPicPr>
+            <a:picLocks noChangeAspect="1"/>
+          </p:cNvPicPr>
+          <p:nvPr/>
+        </p:nvPicPr>
+        <p:blipFill>
+          <a:blip r:embed="rId3"/>
+          <a:stretch>
+            <a:fillRect/>
+          </a:stretch>
+        </p:blipFill>
+        <p:spPr>
+          <a:xfrm>
+            <a:off x="2731008" y="1581951"/>
+            <a:ext cx="4736996" cy="4752579"/>
+          </a:xfrm>
+          <a:prstGeom prst="rect">
+            <a:avLst/>
+          </a:prstGeom>
+        </p:spPr>
+      </p:pic>
+    </p:spTree>
+    <p:extLst>
+      <p:ext uri="{BB962C8B-B14F-4D97-AF65-F5344CB8AC3E}">
+        <p14:creationId xmlns:p14="http://schemas.microsoft.com/office/powerpoint/2010/main" val="183359574"/>
+      </p:ext>
+    </p:extLst>
+  </p:cSld>
+  <p:clrMapOvr>
+    <a:masterClrMapping/>
+  </p:clrMapOvr>
+  <p:timing>
+    <p:tnLst>
+      <p:par>
+        <p:cTn xmlns:p14="http://schemas.microsoft.com/office/powerpoint/2010/main" id="1" dur="indefinite" restart="never" nodeType="tmRoot"/>
+      </p:par>
+    </p:tnLst>
+  </p:timing>
+</p:sld>
+</file>
+
+<file path=ppt/slides/slide14.xml><?xml version="1.0" encoding="utf-8"?>
+<p:sld xmlns:a="http://schemas.openxmlformats.org/drawingml/2006/main" xmlns:r="http://schemas.openxmlformats.org/officeDocument/2006/relationships" xmlns:p="http://schemas.openxmlformats.org/presentationml/2006/main">
+  <p:cSld>
+    <p:spTree>
+      <p:nvGrpSpPr>
+        <p:cNvPr id="1" name=""/>
+        <p:cNvGrpSpPr/>
+        <p:nvPr/>
+      </p:nvGrpSpPr>
+      <p:grpSpPr>
+        <a:xfrm>
+          <a:off x="0" y="0"/>
+          <a:ext cx="0" cy="0"/>
+          <a:chOff x="0" y="0"/>
+          <a:chExt cx="0" cy="0"/>
+        </a:xfrm>
+      </p:grpSpPr>
+      <p:pic>
+        <p:nvPicPr>
+          <p:cNvPr id="4" name="Immagine 3" descr="Fontys-Logo.png"/>
+          <p:cNvPicPr>
+            <a:picLocks noChangeAspect="1"/>
+          </p:cNvPicPr>
+          <p:nvPr/>
+        </p:nvPicPr>
+        <p:blipFill>
+          <a:blip r:embed="rId2">
+            <a:extLst>
+              <a:ext uri="{28A0092B-C50C-407E-A947-70E740481C1C}">
+                <a14:useLocalDpi xmlns:a14="http://schemas.microsoft.com/office/drawing/2010/main" val="0"/>
+              </a:ext>
+            </a:extLst>
+          </a:blip>
+          <a:stretch>
+            <a:fillRect/>
+          </a:stretch>
+        </p:blipFill>
+        <p:spPr>
+          <a:xfrm>
+            <a:off x="7029036" y="0"/>
+            <a:ext cx="2114964" cy="1069114"/>
+          </a:xfrm>
+          <a:prstGeom prst="rect">
+            <a:avLst/>
+          </a:prstGeom>
+        </p:spPr>
+      </p:pic>
+      <p:cxnSp>
+        <p:nvCxnSpPr>
+          <p:cNvPr id="5" name="Connettore 1 4"/>
+          <p:cNvCxnSpPr/>
+          <p:nvPr/>
+        </p:nvCxnSpPr>
+        <p:spPr>
+          <a:xfrm flipH="1">
+            <a:off x="0" y="1069114"/>
+            <a:ext cx="9144000" cy="0"/>
+          </a:xfrm>
+          <a:prstGeom prst="line">
+            <a:avLst/>
+          </a:prstGeom>
+        </p:spPr>
+        <p:style>
+          <a:lnRef idx="2">
+            <a:schemeClr val="accent4"/>
+          </a:lnRef>
+          <a:fillRef idx="0">
+            <a:schemeClr val="accent4"/>
+          </a:fillRef>
+          <a:effectRef idx="1">
+            <a:schemeClr val="accent4"/>
+          </a:effectRef>
+          <a:fontRef idx="minor">
+            <a:schemeClr val="tx1"/>
+          </a:fontRef>
+        </p:style>
+      </p:cxnSp>
+      <p:sp>
+        <p:nvSpPr>
+          <p:cNvPr id="9" name="Segnaposto data 8"/>
+          <p:cNvSpPr>
+            <a:spLocks noGrp="1"/>
+          </p:cNvSpPr>
+          <p:nvPr>
+            <p:ph type="dt" sz="half" idx="10"/>
+          </p:nvPr>
+        </p:nvSpPr>
+        <p:spPr/>
+        <p:txBody>
+          <a:bodyPr/>
+          <a:lstStyle/>
+          <a:p>
+            <a:fld id="{B1253229-7213-8B4A-8845-FC7D050562D2}" type="datetime1">
+              <a:rPr lang="en-US" smtClean="0"/>
+              <a:t>14/05/17</a:t>
+            </a:fld>
+            <a:endParaRPr lang="it-IT"/>
+          </a:p>
+        </p:txBody>
+      </p:sp>
+      <p:sp>
+        <p:nvSpPr>
+          <p:cNvPr id="10" name="Segnaposto numero diapositiva 9"/>
+          <p:cNvSpPr>
+            <a:spLocks noGrp="1"/>
+          </p:cNvSpPr>
+          <p:nvPr>
+            <p:ph type="sldNum" sz="quarter" idx="12"/>
+          </p:nvPr>
+        </p:nvSpPr>
+        <p:spPr/>
+        <p:txBody>
+          <a:bodyPr/>
+          <a:lstStyle/>
+          <a:p>
+            <a:fld id="{6A22E5DC-92A3-8C4E-A8C6-64AFAF2C8E0F}" type="slidenum">
+              <a:rPr lang="it-IT" smtClean="0"/>
+              <a:t>14</a:t>
+            </a:fld>
+            <a:endParaRPr lang="it-IT"/>
+          </a:p>
+        </p:txBody>
+      </p:sp>
+      <p:sp>
+        <p:nvSpPr>
+          <p:cNvPr id="12" name="Titolo 1"/>
+          <p:cNvSpPr>
+            <a:spLocks noGrp="1"/>
+          </p:cNvSpPr>
+          <p:nvPr>
+            <p:ph type="title"/>
+          </p:nvPr>
+        </p:nvSpPr>
+        <p:spPr>
+          <a:xfrm>
+            <a:off x="457199" y="274638"/>
+            <a:ext cx="5271912" cy="794476"/>
+          </a:xfrm>
+        </p:spPr>
+        <p:txBody>
+          <a:bodyPr>
+            <a:normAutofit/>
+          </a:bodyPr>
+          <a:lstStyle/>
+          <a:p>
+            <a:r>
+              <a:rPr lang="it-IT" b="1" dirty="0">
+                <a:solidFill>
+                  <a:srgbClr val="660066"/>
+                </a:solidFill>
+              </a:rPr>
+              <a:t>Results</a:t>
+            </a:r>
+          </a:p>
+        </p:txBody>
+      </p:sp>
+      <p:pic>
+        <p:nvPicPr>
+          <p:cNvPr id="3" name="Picture 2"/>
+          <p:cNvPicPr>
+            <a:picLocks noChangeAspect="1"/>
+          </p:cNvPicPr>
+          <p:nvPr/>
+        </p:nvPicPr>
+        <p:blipFill>
+          <a:blip r:embed="rId3"/>
+          <a:stretch>
+            <a:fillRect/>
+          </a:stretch>
+        </p:blipFill>
+        <p:spPr>
+          <a:xfrm>
+            <a:off x="841248" y="1863590"/>
+            <a:ext cx="6876288" cy="4200399"/>
+          </a:xfrm>
+          <a:prstGeom prst="rect">
+            <a:avLst/>
+          </a:prstGeom>
+        </p:spPr>
+      </p:pic>
+    </p:spTree>
+    <p:extLst>
+      <p:ext uri="{BB962C8B-B14F-4D97-AF65-F5344CB8AC3E}">
+        <p14:creationId xmlns:p14="http://schemas.microsoft.com/office/powerpoint/2010/main" val="2610277836"/>
+      </p:ext>
+    </p:extLst>
+  </p:cSld>
+  <p:clrMapOvr>
+    <a:masterClrMapping/>
+  </p:clrMapOvr>
+  <p:timing>
+    <p:tnLst>
+      <p:par>
+        <p:cTn xmlns:p14="http://schemas.microsoft.com/office/powerpoint/2010/main" id="1" dur="indefinite" restart="never" nodeType="tmRoot"/>
+      </p:par>
+    </p:tnLst>
+  </p:timing>
+</p:sld>
+</file>
+
+<file path=ppt/slides/slide15.xml><?xml version="1.0" encoding="utf-8"?>
+<p:sld xmlns:a="http://schemas.openxmlformats.org/drawingml/2006/main" xmlns:r="http://schemas.openxmlformats.org/officeDocument/2006/relationships" xmlns:p="http://schemas.openxmlformats.org/presentationml/2006/main">
+  <p:cSld>
+    <p:spTree>
+      <p:nvGrpSpPr>
+        <p:cNvPr id="1" name=""/>
+        <p:cNvGrpSpPr/>
+        <p:nvPr/>
+      </p:nvGrpSpPr>
+      <p:grpSpPr>
+        <a:xfrm>
+          <a:off x="0" y="0"/>
+          <a:ext cx="0" cy="0"/>
+          <a:chOff x="0" y="0"/>
+          <a:chExt cx="0" cy="0"/>
+        </a:xfrm>
+      </p:grpSpPr>
+      <p:pic>
+        <p:nvPicPr>
+          <p:cNvPr id="4" name="Immagine 3" descr="Fontys-Logo.png"/>
+          <p:cNvPicPr>
+            <a:picLocks noChangeAspect="1"/>
+          </p:cNvPicPr>
+          <p:nvPr/>
+        </p:nvPicPr>
+        <p:blipFill>
+          <a:blip r:embed="rId2">
+            <a:extLst>
+              <a:ext uri="{28A0092B-C50C-407E-A947-70E740481C1C}">
+                <a14:useLocalDpi xmlns:a14="http://schemas.microsoft.com/office/drawing/2010/main" val="0"/>
+              </a:ext>
+            </a:extLst>
+          </a:blip>
+          <a:stretch>
+            <a:fillRect/>
+          </a:stretch>
+        </p:blipFill>
+        <p:spPr>
+          <a:xfrm>
+            <a:off x="7029036" y="0"/>
+            <a:ext cx="2114964" cy="1069114"/>
+          </a:xfrm>
+          <a:prstGeom prst="rect">
+            <a:avLst/>
+          </a:prstGeom>
+        </p:spPr>
+      </p:pic>
+      <p:cxnSp>
+        <p:nvCxnSpPr>
+          <p:cNvPr id="5" name="Connettore 1 4"/>
+          <p:cNvCxnSpPr/>
+          <p:nvPr/>
+        </p:nvCxnSpPr>
+        <p:spPr>
+          <a:xfrm flipH="1">
+            <a:off x="0" y="1069114"/>
+            <a:ext cx="9144000" cy="0"/>
+          </a:xfrm>
+          <a:prstGeom prst="line">
+            <a:avLst/>
+          </a:prstGeom>
+        </p:spPr>
+        <p:style>
+          <a:lnRef idx="2">
+            <a:schemeClr val="accent4"/>
+          </a:lnRef>
+          <a:fillRef idx="0">
+            <a:schemeClr val="accent4"/>
+          </a:fillRef>
+          <a:effectRef idx="1">
+            <a:schemeClr val="accent4"/>
+          </a:effectRef>
+          <a:fontRef idx="minor">
+            <a:schemeClr val="tx1"/>
+          </a:fontRef>
+        </p:style>
+      </p:cxnSp>
+      <p:sp>
+        <p:nvSpPr>
+          <p:cNvPr id="9" name="Segnaposto data 8"/>
+          <p:cNvSpPr>
+            <a:spLocks noGrp="1"/>
+          </p:cNvSpPr>
+          <p:nvPr>
+            <p:ph type="dt" sz="half" idx="10"/>
+          </p:nvPr>
+        </p:nvSpPr>
+        <p:spPr/>
+        <p:txBody>
+          <a:bodyPr/>
+          <a:lstStyle/>
+          <a:p>
+            <a:fld id="{B1253229-7213-8B4A-8845-FC7D050562D2}" type="datetime1">
+              <a:rPr lang="en-US" smtClean="0"/>
+              <a:t>14/05/17</a:t>
+            </a:fld>
+            <a:endParaRPr lang="it-IT"/>
+          </a:p>
+        </p:txBody>
+      </p:sp>
+      <p:sp>
+        <p:nvSpPr>
+          <p:cNvPr id="10" name="Segnaposto numero diapositiva 9"/>
+          <p:cNvSpPr>
+            <a:spLocks noGrp="1"/>
+          </p:cNvSpPr>
+          <p:nvPr>
+            <p:ph type="sldNum" sz="quarter" idx="12"/>
+          </p:nvPr>
+        </p:nvSpPr>
+        <p:spPr/>
+        <p:txBody>
+          <a:bodyPr/>
+          <a:lstStyle/>
+          <a:p>
+            <a:fld id="{6A22E5DC-92A3-8C4E-A8C6-64AFAF2C8E0F}" type="slidenum">
+              <a:rPr lang="it-IT" smtClean="0"/>
+              <a:t>15</a:t>
             </a:fld>
             <a:endParaRPr lang="it-IT"/>
           </a:p>
@@ -4702,10 +5173,17 @@
   <p:clrMapOvr>
     <a:masterClrMapping/>
   </p:clrMapOvr>
+  <p:timing>
+    <p:tnLst>
+      <p:par>
+        <p:cTn xmlns:p14="http://schemas.microsoft.com/office/powerpoint/2010/main" id="1" dur="indefinite" restart="never" nodeType="tmRoot"/>
+      </p:par>
+    </p:tnLst>
+  </p:timing>
 </p:sld>
 </file>
 
-<file path=ppt/slides/slide14.xml><?xml version="1.0" encoding="utf-8"?>
+<file path=ppt/slides/slide16.xml><?xml version="1.0" encoding="utf-8"?>
 <p:sld xmlns:a="http://schemas.openxmlformats.org/drawingml/2006/main" xmlns:r="http://schemas.openxmlformats.org/officeDocument/2006/relationships" xmlns:p="http://schemas.openxmlformats.org/presentationml/2006/main">
   <p:cSld>
     <p:spTree>
@@ -4768,7 +5246,7 @@
           <a:p>
             <a:fld id="{389B9B3D-8C7C-D54F-A884-00F3C653EABC}" type="datetime1">
               <a:rPr lang="en-US" smtClean="0"/>
-              <a:t>12-May-17</a:t>
+              <a:t>14/05/17</a:t>
             </a:fld>
             <a:endParaRPr lang="it-IT"/>
           </a:p>
@@ -4791,7 +5269,7 @@
           <a:p>
             <a:fld id="{6A22E5DC-92A3-8C4E-A8C6-64AFAF2C8E0F}" type="slidenum">
               <a:rPr lang="it-IT" smtClean="0"/>
-              <a:t>14</a:t>
+              <a:t>16</a:t>
             </a:fld>
             <a:endParaRPr lang="it-IT"/>
           </a:p>
@@ -5055,10 +5533,17 @@
   <p:clrMapOvr>
     <a:masterClrMapping/>
   </p:clrMapOvr>
+  <p:timing>
+    <p:tnLst>
+      <p:par>
+        <p:cTn xmlns:p14="http://schemas.microsoft.com/office/powerpoint/2010/main" id="1" dur="indefinite" restart="never" nodeType="tmRoot"/>
+      </p:par>
+    </p:tnLst>
+  </p:timing>
 </p:sld>
 </file>
 
-<file path=ppt/slides/slide15.xml><?xml version="1.0" encoding="utf-8"?>
+<file path=ppt/slides/slide17.xml><?xml version="1.0" encoding="utf-8"?>
 <p:sld xmlns:a="http://schemas.openxmlformats.org/drawingml/2006/main" xmlns:r="http://schemas.openxmlformats.org/officeDocument/2006/relationships" xmlns:p="http://schemas.openxmlformats.org/presentationml/2006/main">
   <p:cSld>
     <p:spTree>
@@ -5085,7 +5570,12 @@
             <p:ph idx="1"/>
           </p:nvPr>
         </p:nvSpPr>
-        <p:spPr/>
+        <p:spPr>
+          <a:xfrm>
+            <a:off x="457199" y="2333979"/>
+            <a:ext cx="8229600" cy="2435578"/>
+          </a:xfrm>
+        </p:spPr>
         <p:txBody>
           <a:bodyPr/>
           <a:lstStyle/>
@@ -5120,7 +5610,7 @@
           <a:p>
             <a:fld id="{389B9B3D-8C7C-D54F-A884-00F3C653EABC}" type="datetime1">
               <a:rPr lang="en-US" smtClean="0"/>
-              <a:t>12-May-17</a:t>
+              <a:t>14/05/17</a:t>
             </a:fld>
             <a:endParaRPr lang="it-IT"/>
           </a:p>
@@ -5143,7 +5633,7 @@
           <a:p>
             <a:fld id="{6A22E5DC-92A3-8C4E-A8C6-64AFAF2C8E0F}" type="slidenum">
               <a:rPr lang="it-IT" smtClean="0"/>
-              <a:t>15</a:t>
+              <a:t>17</a:t>
             </a:fld>
             <a:endParaRPr lang="it-IT"/>
           </a:p>
@@ -5357,10 +5847,17 @@
   <p:clrMapOvr>
     <a:masterClrMapping/>
   </p:clrMapOvr>
+  <p:timing>
+    <p:tnLst>
+      <p:par>
+        <p:cTn xmlns:p14="http://schemas.microsoft.com/office/powerpoint/2010/main" id="1" dur="indefinite" restart="never" nodeType="tmRoot"/>
+      </p:par>
+    </p:tnLst>
+  </p:timing>
 </p:sld>
 </file>
 
-<file path=ppt/slides/slide16.xml><?xml version="1.0" encoding="utf-8"?>
+<file path=ppt/slides/slide18.xml><?xml version="1.0" encoding="utf-8"?>
 <p:sld xmlns:a="http://schemas.openxmlformats.org/drawingml/2006/main" xmlns:r="http://schemas.openxmlformats.org/officeDocument/2006/relationships" xmlns:p="http://schemas.openxmlformats.org/presentationml/2006/main">
   <p:cSld>
     <p:spTree>
@@ -5424,7 +5921,7 @@
           <a:p>
             <a:fld id="{389B9B3D-8C7C-D54F-A884-00F3C653EABC}" type="datetime1">
               <a:rPr lang="en-US" smtClean="0"/>
-              <a:t>12-May-17</a:t>
+              <a:t>14/05/17</a:t>
             </a:fld>
             <a:endParaRPr lang="it-IT"/>
           </a:p>
@@ -5447,7 +5944,7 @@
           <a:p>
             <a:fld id="{6A22E5DC-92A3-8C4E-A8C6-64AFAF2C8E0F}" type="slidenum">
               <a:rPr lang="it-IT" smtClean="0"/>
-              <a:t>16</a:t>
+              <a:t>18</a:t>
             </a:fld>
             <a:endParaRPr lang="it-IT"/>
           </a:p>
@@ -5715,7 +6212,7 @@
   <p:timing>
     <p:tnLst>
       <p:par>
-        <p:cTn id="1" dur="indefinite" restart="never" nodeType="tmRoot">
+        <p:cTn xmlns:p14="http://schemas.microsoft.com/office/powerpoint/2010/main" id="1" dur="indefinite" restart="never" nodeType="tmRoot">
           <p:childTnLst>
             <p:seq concurrent="1" nextAc="seek">
               <p:cTn id="2" dur="indefinite" nodeType="mainSeq">
@@ -5989,7 +6486,7 @@
 </p:sld>
 </file>
 
-<file path=ppt/slides/slide17.xml><?xml version="1.0" encoding="utf-8"?>
+<file path=ppt/slides/slide19.xml><?xml version="1.0" encoding="utf-8"?>
 <p:sld xmlns:a="http://schemas.openxmlformats.org/drawingml/2006/main" xmlns:r="http://schemas.openxmlformats.org/officeDocument/2006/relationships" xmlns:p="http://schemas.openxmlformats.org/presentationml/2006/main">
   <p:cSld>
     <p:spTree>
@@ -6053,7 +6550,7 @@
           <a:p>
             <a:fld id="{389B9B3D-8C7C-D54F-A884-00F3C653EABC}" type="datetime1">
               <a:rPr lang="en-US" smtClean="0"/>
-              <a:t>12-May-17</a:t>
+              <a:t>14/05/17</a:t>
             </a:fld>
             <a:endParaRPr lang="it-IT"/>
           </a:p>
@@ -6076,7 +6573,7 @@
           <a:p>
             <a:fld id="{6A22E5DC-92A3-8C4E-A8C6-64AFAF2C8E0F}" type="slidenum">
               <a:rPr lang="it-IT" smtClean="0"/>
-              <a:t>17</a:t>
+              <a:t>19</a:t>
             </a:fld>
             <a:endParaRPr lang="it-IT"/>
           </a:p>
@@ -6308,6 +6805,13 @@
   <p:clrMapOvr>
     <a:masterClrMapping/>
   </p:clrMapOvr>
+  <p:timing>
+    <p:tnLst>
+      <p:par>
+        <p:cTn xmlns:p14="http://schemas.microsoft.com/office/powerpoint/2010/main" id="1" dur="indefinite" restart="never" nodeType="tmRoot"/>
+      </p:par>
+    </p:tnLst>
+  </p:timing>
 </p:sld>
 </file>
 
@@ -6498,7 +7002,7 @@
           <a:noFill/>
           <a:extLst>
             <a:ext uri="{909E8E84-426E-40dd-AFC4-6F175D3DCCD1}">
-              <a14:hiddenFill xmlns:a14="http://schemas.microsoft.com/office/drawing/2010/main" xmlns="">
+              <a14:hiddenFill xmlns:a14="http://schemas.microsoft.com/office/drawing/2010/main">
                 <a:solidFill>
                   <a:srgbClr val="FFFFFF"/>
                 </a:solidFill>
@@ -6539,7 +7043,7 @@
           <a:noFill/>
           <a:extLst>
             <a:ext uri="{909E8E84-426E-40dd-AFC4-6F175D3DCCD1}">
-              <a14:hiddenFill xmlns:a14="http://schemas.microsoft.com/office/drawing/2010/main" xmlns="">
+              <a14:hiddenFill xmlns:a14="http://schemas.microsoft.com/office/drawing/2010/main">
                 <a:solidFill>
                   <a:srgbClr val="FFFFFF"/>
                 </a:solidFill>
@@ -6580,48 +7084,7 @@
           <a:noFill/>
           <a:extLst>
             <a:ext uri="{909E8E84-426E-40dd-AFC4-6F175D3DCCD1}">
-              <a14:hiddenFill xmlns:a14="http://schemas.microsoft.com/office/drawing/2010/main" xmlns="">
-                <a:solidFill>
-                  <a:srgbClr val="FFFFFF"/>
-                </a:solidFill>
-              </a14:hiddenFill>
-            </a:ext>
-          </a:extLst>
-        </p:spPr>
-      </p:pic>
-      <p:pic>
-        <p:nvPicPr>
-          <p:cNvPr id="23" name="Picture 6" descr="Afbeeldingsresultaat voor in progress transparent"/>
-          <p:cNvPicPr>
-            <a:picLocks noChangeAspect="1" noChangeArrowheads="1"/>
-          </p:cNvPicPr>
-          <p:nvPr/>
-        </p:nvPicPr>
-        <p:blipFill>
-          <a:blip r:embed="rId5">
-            <a:extLst>
-              <a:ext uri="{28A0092B-C50C-407E-A947-70E740481C1C}">
-                <a14:useLocalDpi xmlns:a14="http://schemas.microsoft.com/office/drawing/2010/main" val="0"/>
-              </a:ext>
-            </a:extLst>
-          </a:blip>
-          <a:srcRect/>
-          <a:stretch>
-            <a:fillRect/>
-          </a:stretch>
-        </p:blipFill>
-        <p:spPr bwMode="auto">
-          <a:xfrm>
-            <a:off x="5178778" y="4056722"/>
-            <a:ext cx="1066270" cy="956797"/>
-          </a:xfrm>
-          <a:prstGeom prst="rect">
-            <a:avLst/>
-          </a:prstGeom>
-          <a:noFill/>
-          <a:extLst>
-            <a:ext uri="{909E8E84-426E-40dd-AFC4-6F175D3DCCD1}">
-              <a14:hiddenFill xmlns:a14="http://schemas.microsoft.com/office/drawing/2010/main" xmlns="">
+              <a14:hiddenFill xmlns:a14="http://schemas.microsoft.com/office/drawing/2010/main">
                 <a:solidFill>
                   <a:srgbClr val="FFFFFF"/>
                 </a:solidFill>
@@ -6662,7 +7125,48 @@
           <a:noFill/>
           <a:extLst>
             <a:ext uri="{909E8E84-426E-40dd-AFC4-6F175D3DCCD1}">
-              <a14:hiddenFill xmlns:a14="http://schemas.microsoft.com/office/drawing/2010/main" xmlns="">
+              <a14:hiddenFill xmlns:a14="http://schemas.microsoft.com/office/drawing/2010/main">
+                <a:solidFill>
+                  <a:srgbClr val="FFFFFF"/>
+                </a:solidFill>
+              </a14:hiddenFill>
+            </a:ext>
+          </a:extLst>
+        </p:spPr>
+      </p:pic>
+      <p:pic>
+        <p:nvPicPr>
+          <p:cNvPr id="12" name="Picture 2" descr="Afbeeldingsresultaat voor checkmark"/>
+          <p:cNvPicPr>
+            <a:picLocks noChangeAspect="1" noChangeArrowheads="1"/>
+          </p:cNvPicPr>
+          <p:nvPr/>
+        </p:nvPicPr>
+        <p:blipFill>
+          <a:blip r:embed="rId4">
+            <a:extLst>
+              <a:ext uri="{28A0092B-C50C-407E-A947-70E740481C1C}">
+                <a14:useLocalDpi xmlns:a14="http://schemas.microsoft.com/office/drawing/2010/main" val="0"/>
+              </a:ext>
+            </a:extLst>
+          </a:blip>
+          <a:srcRect/>
+          <a:stretch>
+            <a:fillRect/>
+          </a:stretch>
+        </p:blipFill>
+        <p:spPr bwMode="auto">
+          <a:xfrm>
+            <a:off x="5538223" y="4403423"/>
+            <a:ext cx="588103" cy="577673"/>
+          </a:xfrm>
+          <a:prstGeom prst="rect">
+            <a:avLst/>
+          </a:prstGeom>
+          <a:noFill/>
+          <a:extLst>
+            <a:ext uri="{909E8E84-426E-40dd-AFC4-6F175D3DCCD1}">
+              <a14:hiddenFill xmlns:a14="http://schemas.microsoft.com/office/drawing/2010/main">
                 <a:solidFill>
                   <a:srgbClr val="FFFFFF"/>
                 </a:solidFill>
@@ -6681,6 +7185,13 @@
   <p:clrMapOvr>
     <a:masterClrMapping/>
   </p:clrMapOvr>
+  <p:timing>
+    <p:tnLst>
+      <p:par>
+        <p:cTn xmlns:p14="http://schemas.microsoft.com/office/powerpoint/2010/main" id="1" dur="indefinite" restart="never" nodeType="tmRoot"/>
+      </p:par>
+    </p:tnLst>
+  </p:timing>
 </p:sld>
 </file>
 
@@ -6807,7 +7318,7 @@
           <a:p>
             <a:fld id="{FD9CA970-901F-FF41-95BB-674823E5C08C}" type="datetime1">
               <a:rPr lang="en-US" smtClean="0"/>
-              <a:t>12-May-17</a:t>
+              <a:t>14/05/17</a:t>
             </a:fld>
             <a:endParaRPr lang="it-IT" dirty="0"/>
           </a:p>
@@ -7073,6 +7584,13 @@
   <p:clrMapOvr>
     <a:masterClrMapping/>
   </p:clrMapOvr>
+  <p:timing>
+    <p:tnLst>
+      <p:par>
+        <p:cTn xmlns:p14="http://schemas.microsoft.com/office/powerpoint/2010/main" id="1" dur="indefinite" restart="never" nodeType="tmRoot"/>
+      </p:par>
+    </p:tnLst>
+  </p:timing>
 </p:sld>
 </file>
 
@@ -7170,7 +7688,7 @@
           <a:p>
             <a:fld id="{F02F2850-09C1-F74D-AF74-E66AECAB6E77}" type="datetime1">
               <a:rPr lang="en-US" smtClean="0"/>
-              <a:t>12-May-17</a:t>
+              <a:t>14/05/17</a:t>
             </a:fld>
             <a:endParaRPr lang="it-IT"/>
           </a:p>
@@ -7379,7 +7897,7 @@
           </a:prstGeom>
           <a:noFill/>
           <a:extLst>
-            <a:ext uri="{909E8E84-426E-40DD-AFC4-6F175D3DCCD1}">
+            <a:ext uri="{909E8E84-426E-40dd-AFC4-6F175D3DCCD1}">
               <a14:hiddenFill xmlns:a14="http://schemas.microsoft.com/office/drawing/2010/main">
                 <a:solidFill>
                   <a:srgbClr val="FFFFFF"/>
@@ -7420,7 +7938,7 @@
           </a:prstGeom>
           <a:noFill/>
           <a:extLst>
-            <a:ext uri="{909E8E84-426E-40DD-AFC4-6F175D3DCCD1}">
+            <a:ext uri="{909E8E84-426E-40dd-AFC4-6F175D3DCCD1}">
               <a14:hiddenFill xmlns:a14="http://schemas.microsoft.com/office/drawing/2010/main">
                 <a:solidFill>
                   <a:srgbClr val="FFFFFF"/>
@@ -7461,7 +7979,7 @@
           </a:prstGeom>
           <a:noFill/>
           <a:extLst>
-            <a:ext uri="{909E8E84-426E-40DD-AFC4-6F175D3DCCD1}">
+            <a:ext uri="{909E8E84-426E-40dd-AFC4-6F175D3DCCD1}">
               <a14:hiddenFill xmlns:a14="http://schemas.microsoft.com/office/drawing/2010/main">
                 <a:solidFill>
                   <a:srgbClr val="FFFFFF"/>
@@ -7481,6 +7999,13 @@
   <p:clrMapOvr>
     <a:masterClrMapping/>
   </p:clrMapOvr>
+  <p:timing>
+    <p:tnLst>
+      <p:par>
+        <p:cTn xmlns:p14="http://schemas.microsoft.com/office/powerpoint/2010/main" id="1" dur="indefinite" restart="never" nodeType="tmRoot"/>
+      </p:par>
+    </p:tnLst>
+  </p:timing>
 </p:sld>
 </file>
 
@@ -7608,7 +8133,7 @@
           <a:p>
             <a:fld id="{B1253229-7213-8B4A-8845-FC7D050562D2}" type="datetime1">
               <a:rPr lang="en-US" smtClean="0"/>
-              <a:t>12-May-17</a:t>
+              <a:t>14/05/17</a:t>
             </a:fld>
             <a:endParaRPr lang="it-IT"/>
           </a:p>
@@ -7796,6 +8321,13 @@
   <p:clrMapOvr>
     <a:masterClrMapping/>
   </p:clrMapOvr>
+  <p:timing>
+    <p:tnLst>
+      <p:par>
+        <p:cTn xmlns:p14="http://schemas.microsoft.com/office/powerpoint/2010/main" id="1" dur="indefinite" restart="never" nodeType="tmRoot"/>
+      </p:par>
+    </p:tnLst>
+  </p:timing>
 </p:sld>
 </file>
 
@@ -7818,7 +8350,7 @@
       </p:grpSpPr>
       <p:pic>
         <p:nvPicPr>
-          <p:cNvPr id="4" name="Immagine 3" descr="Fontys-Logo.png"/>
+          <p:cNvPr id="4" name="Immagine 3" descr="iot1.png"/>
           <p:cNvPicPr>
             <a:picLocks noChangeAspect="1"/>
           </p:cNvPicPr>
@@ -7838,157 +8370,374 @@
         </p:blipFill>
         <p:spPr>
           <a:xfrm>
-            <a:off x="7029036" y="0"/>
-            <a:ext cx="2114964" cy="1069114"/>
+            <a:off x="0" y="0"/>
+            <a:ext cx="10160490" cy="6858000"/>
           </a:xfrm>
           <a:prstGeom prst="rect">
             <a:avLst/>
           </a:prstGeom>
         </p:spPr>
       </p:pic>
-      <p:cxnSp>
-        <p:nvCxnSpPr>
-          <p:cNvPr id="5" name="Connettore 1 4"/>
-          <p:cNvCxnSpPr/>
+      <p:sp>
+        <p:nvSpPr>
+          <p:cNvPr id="5" name="Anello 4"/>
+          <p:cNvSpPr/>
           <p:nvPr/>
-        </p:nvCxnSpPr>
-        <p:spPr>
-          <a:xfrm flipH="1">
-            <a:off x="0" y="1069114"/>
-            <a:ext cx="9144000" cy="0"/>
-          </a:xfrm>
-          <a:prstGeom prst="line">
-            <a:avLst/>
+        </p:nvSpPr>
+        <p:spPr>
+          <a:xfrm>
+            <a:off x="1481737" y="4427930"/>
+            <a:ext cx="2346086" cy="1990511"/>
+          </a:xfrm>
+          <a:prstGeom prst="donut">
+            <a:avLst>
+              <a:gd name="adj" fmla="val 2838"/>
+            </a:avLst>
           </a:prstGeom>
+          <a:solidFill>
+            <a:srgbClr val="FF0000"/>
+          </a:solidFill>
+          <a:ln>
+            <a:solidFill>
+              <a:srgbClr val="FF0000"/>
+            </a:solidFill>
+          </a:ln>
         </p:spPr>
         <p:style>
-          <a:lnRef idx="2">
-            <a:schemeClr val="accent4"/>
+          <a:lnRef idx="1">
+            <a:schemeClr val="accent1"/>
           </a:lnRef>
-          <a:fillRef idx="0">
-            <a:schemeClr val="accent4"/>
+          <a:fillRef idx="3">
+            <a:schemeClr val="accent1"/>
           </a:fillRef>
-          <a:effectRef idx="1">
-            <a:schemeClr val="accent4"/>
+          <a:effectRef idx="2">
+            <a:schemeClr val="accent1"/>
           </a:effectRef>
           <a:fontRef idx="minor">
-            <a:schemeClr val="tx1"/>
+            <a:schemeClr val="lt1"/>
           </a:fontRef>
         </p:style>
-      </p:cxnSp>
-      <p:sp>
-        <p:nvSpPr>
-          <p:cNvPr id="9" name="Segnaposto data 8"/>
-          <p:cNvSpPr>
-            <a:spLocks noGrp="1"/>
-          </p:cNvSpPr>
-          <p:nvPr>
-            <p:ph type="dt" sz="half" idx="10"/>
-          </p:nvPr>
-        </p:nvSpPr>
-        <p:spPr/>
-        <p:txBody>
-          <a:bodyPr/>
-          <a:lstStyle/>
-          <a:p>
-            <a:fld id="{B1253229-7213-8B4A-8845-FC7D050562D2}" type="datetime1">
-              <a:rPr lang="en-US" smtClean="0"/>
-              <a:t>12-May-17</a:t>
-            </a:fld>
-            <a:endParaRPr lang="it-IT"/>
-          </a:p>
-        </p:txBody>
-      </p:sp>
-      <p:sp>
-        <p:nvSpPr>
-          <p:cNvPr id="10" name="Segnaposto numero diapositiva 9"/>
-          <p:cNvSpPr>
-            <a:spLocks noGrp="1"/>
-          </p:cNvSpPr>
-          <p:nvPr>
-            <p:ph type="sldNum" sz="quarter" idx="12"/>
-          </p:nvPr>
-        </p:nvSpPr>
-        <p:spPr/>
-        <p:txBody>
-          <a:bodyPr/>
-          <a:lstStyle/>
-          <a:p>
-            <a:fld id="{6A22E5DC-92A3-8C4E-A8C6-64AFAF2C8E0F}" type="slidenum">
-              <a:rPr lang="it-IT" smtClean="0"/>
-              <a:t>6</a:t>
-            </a:fld>
-            <a:endParaRPr lang="it-IT"/>
-          </a:p>
-        </p:txBody>
-      </p:sp>
-      <p:sp>
-        <p:nvSpPr>
-          <p:cNvPr id="12" name="Titolo 1"/>
-          <p:cNvSpPr>
-            <a:spLocks noGrp="1"/>
-          </p:cNvSpPr>
-          <p:nvPr>
-            <p:ph type="title"/>
-          </p:nvPr>
-        </p:nvSpPr>
-        <p:spPr>
-          <a:xfrm>
-            <a:off x="457199" y="274638"/>
-            <a:ext cx="5271912" cy="794476"/>
-          </a:xfrm>
-        </p:spPr>
-        <p:txBody>
-          <a:bodyPr>
-            <a:normAutofit/>
-          </a:bodyPr>
-          <a:lstStyle/>
-          <a:p>
-            <a:r>
-              <a:rPr lang="it-IT" b="1" dirty="0">
-                <a:solidFill>
-                  <a:srgbClr val="660066"/>
-                </a:solidFill>
-              </a:rPr>
-              <a:t>Results</a:t>
-            </a:r>
-          </a:p>
-        </p:txBody>
-      </p:sp>
-      <p:pic>
-        <p:nvPicPr>
-          <p:cNvPr id="3" name="Picture 2"/>
-          <p:cNvPicPr>
-            <a:picLocks noChangeAspect="1"/>
-          </p:cNvPicPr>
+        <p:txBody>
+          <a:bodyPr rtlCol="0" anchor="ctr"/>
+          <a:lstStyle/>
+          <a:p>
+            <a:pPr algn="ctr"/>
+            <a:endParaRPr lang="it-IT">
+              <a:solidFill>
+                <a:srgbClr val="FF0000"/>
+              </a:solidFill>
+            </a:endParaRPr>
+          </a:p>
+        </p:txBody>
+      </p:sp>
+      <p:sp>
+        <p:nvSpPr>
+          <p:cNvPr id="6" name="Anello 5"/>
+          <p:cNvSpPr/>
           <p:nvPr/>
-        </p:nvPicPr>
-        <p:blipFill>
-          <a:blip r:embed="rId3"/>
-          <a:stretch>
-            <a:fillRect/>
-          </a:stretch>
-        </p:blipFill>
-        <p:spPr>
-          <a:xfrm>
-            <a:off x="727969" y="1141880"/>
-            <a:ext cx="7521614" cy="5716120"/>
-          </a:xfrm>
-          <a:prstGeom prst="rect">
-            <a:avLst/>
+        </p:nvSpPr>
+        <p:spPr>
+          <a:xfrm>
+            <a:off x="1481736" y="2328633"/>
+            <a:ext cx="4895029" cy="1878294"/>
+          </a:xfrm>
+          <a:prstGeom prst="donut">
+            <a:avLst>
+              <a:gd name="adj" fmla="val 2838"/>
+            </a:avLst>
           </a:prstGeom>
-        </p:spPr>
-      </p:pic>
+          <a:solidFill>
+            <a:srgbClr val="FF0000"/>
+          </a:solidFill>
+          <a:ln>
+            <a:solidFill>
+              <a:srgbClr val="FF0000"/>
+            </a:solidFill>
+          </a:ln>
+        </p:spPr>
+        <p:style>
+          <a:lnRef idx="1">
+            <a:schemeClr val="accent1"/>
+          </a:lnRef>
+          <a:fillRef idx="3">
+            <a:schemeClr val="accent1"/>
+          </a:fillRef>
+          <a:effectRef idx="2">
+            <a:schemeClr val="accent1"/>
+          </a:effectRef>
+          <a:fontRef idx="minor">
+            <a:schemeClr val="lt1"/>
+          </a:fontRef>
+        </p:style>
+        <p:txBody>
+          <a:bodyPr rtlCol="0" anchor="ctr"/>
+          <a:lstStyle/>
+          <a:p>
+            <a:pPr algn="ctr"/>
+            <a:endParaRPr lang="it-IT">
+              <a:solidFill>
+                <a:srgbClr val="FF0000"/>
+              </a:solidFill>
+            </a:endParaRPr>
+          </a:p>
+        </p:txBody>
+      </p:sp>
+      <p:sp>
+        <p:nvSpPr>
+          <p:cNvPr id="7" name="Anello 6"/>
+          <p:cNvSpPr/>
+          <p:nvPr/>
+        </p:nvSpPr>
+        <p:spPr>
+          <a:xfrm>
+            <a:off x="3598506" y="508162"/>
+            <a:ext cx="2469565" cy="956053"/>
+          </a:xfrm>
+          <a:prstGeom prst="donut">
+            <a:avLst>
+              <a:gd name="adj" fmla="val 2838"/>
+            </a:avLst>
+          </a:prstGeom>
+          <a:solidFill>
+            <a:srgbClr val="FF0000"/>
+          </a:solidFill>
+          <a:ln>
+            <a:solidFill>
+              <a:srgbClr val="FF0000"/>
+            </a:solidFill>
+          </a:ln>
+        </p:spPr>
+        <p:style>
+          <a:lnRef idx="1">
+            <a:schemeClr val="accent1"/>
+          </a:lnRef>
+          <a:fillRef idx="3">
+            <a:schemeClr val="accent1"/>
+          </a:fillRef>
+          <a:effectRef idx="2">
+            <a:schemeClr val="accent1"/>
+          </a:effectRef>
+          <a:fontRef idx="minor">
+            <a:schemeClr val="lt1"/>
+          </a:fontRef>
+        </p:style>
+        <p:txBody>
+          <a:bodyPr rtlCol="0" anchor="ctr"/>
+          <a:lstStyle/>
+          <a:p>
+            <a:pPr algn="ctr"/>
+            <a:endParaRPr lang="it-IT">
+              <a:solidFill>
+                <a:srgbClr val="FF0000"/>
+              </a:solidFill>
+            </a:endParaRPr>
+          </a:p>
+        </p:txBody>
+      </p:sp>
     </p:spTree>
     <p:extLst>
       <p:ext uri="{BB962C8B-B14F-4D97-AF65-F5344CB8AC3E}">
-        <p14:creationId xmlns:p14="http://schemas.microsoft.com/office/powerpoint/2010/main" val="1977957147"/>
+        <p14:creationId xmlns:p14="http://schemas.microsoft.com/office/powerpoint/2010/main" val="2733368124"/>
       </p:ext>
     </p:extLst>
   </p:cSld>
   <p:clrMapOvr>
     <a:masterClrMapping/>
   </p:clrMapOvr>
+  <p:timing>
+    <p:tnLst>
+      <p:par>
+        <p:cTn xmlns:p14="http://schemas.microsoft.com/office/powerpoint/2010/main" id="1" dur="indefinite" restart="never" nodeType="tmRoot">
+          <p:childTnLst>
+            <p:seq concurrent="1" nextAc="seek">
+              <p:cTn id="2" dur="indefinite" nodeType="mainSeq">
+                <p:childTnLst>
+                  <p:par>
+                    <p:cTn id="3" fill="hold">
+                      <p:stCondLst>
+                        <p:cond delay="indefinite"/>
+                      </p:stCondLst>
+                      <p:childTnLst>
+                        <p:par>
+                          <p:cTn id="4" fill="hold">
+                            <p:stCondLst>
+                              <p:cond delay="0"/>
+                            </p:stCondLst>
+                            <p:childTnLst>
+                              <p:par>
+                                <p:cTn id="5" presetID="9" presetClass="entr" presetSubtype="0" fill="hold" grpId="0" nodeType="clickEffect">
+                                  <p:stCondLst>
+                                    <p:cond delay="0"/>
+                                  </p:stCondLst>
+                                  <p:childTnLst>
+                                    <p:set>
+                                      <p:cBhvr>
+                                        <p:cTn id="6" dur="1" fill="hold">
+                                          <p:stCondLst>
+                                            <p:cond delay="0"/>
+                                          </p:stCondLst>
+                                        </p:cTn>
+                                        <p:tgtEl>
+                                          <p:spTgt spid="5"/>
+                                        </p:tgtEl>
+                                        <p:attrNameLst>
+                                          <p:attrName>style.visibility</p:attrName>
+                                        </p:attrNameLst>
+                                      </p:cBhvr>
+                                      <p:to>
+                                        <p:strVal val="visible"/>
+                                      </p:to>
+                                    </p:set>
+                                    <p:animEffect transition="in" filter="dissolve">
+                                      <p:cBhvr>
+                                        <p:cTn id="7" dur="1000"/>
+                                        <p:tgtEl>
+                                          <p:spTgt spid="5"/>
+                                        </p:tgtEl>
+                                      </p:cBhvr>
+                                    </p:animEffect>
+                                  </p:childTnLst>
+                                </p:cTn>
+                              </p:par>
+                            </p:childTnLst>
+                          </p:cTn>
+                        </p:par>
+                      </p:childTnLst>
+                    </p:cTn>
+                  </p:par>
+                  <p:par>
+                    <p:cTn id="8" fill="hold">
+                      <p:stCondLst>
+                        <p:cond delay="indefinite"/>
+                      </p:stCondLst>
+                      <p:childTnLst>
+                        <p:par>
+                          <p:cTn id="9" fill="hold">
+                            <p:stCondLst>
+                              <p:cond delay="0"/>
+                            </p:stCondLst>
+                            <p:childTnLst>
+                              <p:par>
+                                <p:cTn id="10" presetID="9" presetClass="entr" presetSubtype="0" fill="hold" grpId="0" nodeType="clickEffect">
+                                  <p:stCondLst>
+                                    <p:cond delay="0"/>
+                                  </p:stCondLst>
+                                  <p:childTnLst>
+                                    <p:set>
+                                      <p:cBhvr>
+                                        <p:cTn id="11" dur="1" fill="hold">
+                                          <p:stCondLst>
+                                            <p:cond delay="0"/>
+                                          </p:stCondLst>
+                                        </p:cTn>
+                                        <p:tgtEl>
+                                          <p:spTgt spid="6"/>
+                                        </p:tgtEl>
+                                        <p:attrNameLst>
+                                          <p:attrName>style.visibility</p:attrName>
+                                        </p:attrNameLst>
+                                      </p:cBhvr>
+                                      <p:to>
+                                        <p:strVal val="visible"/>
+                                      </p:to>
+                                    </p:set>
+                                    <p:animEffect transition="in" filter="dissolve">
+                                      <p:cBhvr>
+                                        <p:cTn id="12" dur="1000"/>
+                                        <p:tgtEl>
+                                          <p:spTgt spid="6"/>
+                                        </p:tgtEl>
+                                      </p:cBhvr>
+                                    </p:animEffect>
+                                  </p:childTnLst>
+                                </p:cTn>
+                              </p:par>
+                            </p:childTnLst>
+                          </p:cTn>
+                        </p:par>
+                      </p:childTnLst>
+                    </p:cTn>
+                  </p:par>
+                  <p:par>
+                    <p:cTn id="13" fill="hold">
+                      <p:stCondLst>
+                        <p:cond delay="indefinite"/>
+                      </p:stCondLst>
+                      <p:childTnLst>
+                        <p:par>
+                          <p:cTn id="14" fill="hold">
+                            <p:stCondLst>
+                              <p:cond delay="0"/>
+                            </p:stCondLst>
+                            <p:childTnLst>
+                              <p:par>
+                                <p:cTn id="15" presetID="9" presetClass="entr" presetSubtype="0" fill="hold" grpId="0" nodeType="clickEffect">
+                                  <p:stCondLst>
+                                    <p:cond delay="0"/>
+                                  </p:stCondLst>
+                                  <p:childTnLst>
+                                    <p:set>
+                                      <p:cBhvr>
+                                        <p:cTn id="16" dur="1" fill="hold">
+                                          <p:stCondLst>
+                                            <p:cond delay="0"/>
+                                          </p:stCondLst>
+                                        </p:cTn>
+                                        <p:tgtEl>
+                                          <p:spTgt spid="7"/>
+                                        </p:tgtEl>
+                                        <p:attrNameLst>
+                                          <p:attrName>style.visibility</p:attrName>
+                                        </p:attrNameLst>
+                                      </p:cBhvr>
+                                      <p:to>
+                                        <p:strVal val="visible"/>
+                                      </p:to>
+                                    </p:set>
+                                    <p:animEffect transition="in" filter="dissolve">
+                                      <p:cBhvr>
+                                        <p:cTn id="17" dur="1000"/>
+                                        <p:tgtEl>
+                                          <p:spTgt spid="7"/>
+                                        </p:tgtEl>
+                                      </p:cBhvr>
+                                    </p:animEffect>
+                                  </p:childTnLst>
+                                </p:cTn>
+                              </p:par>
+                            </p:childTnLst>
+                          </p:cTn>
+                        </p:par>
+                      </p:childTnLst>
+                    </p:cTn>
+                  </p:par>
+                </p:childTnLst>
+              </p:cTn>
+              <p:prevCondLst>
+                <p:cond evt="onPrev" delay="0">
+                  <p:tgtEl>
+                    <p:sldTgt/>
+                  </p:tgtEl>
+                </p:cond>
+              </p:prevCondLst>
+              <p:nextCondLst>
+                <p:cond evt="onNext" delay="0">
+                  <p:tgtEl>
+                    <p:sldTgt/>
+                  </p:tgtEl>
+                </p:cond>
+              </p:nextCondLst>
+            </p:seq>
+          </p:childTnLst>
+        </p:cTn>
+      </p:par>
+    </p:tnLst>
+    <p:bldLst>
+      <p:bldP spid="5" grpId="0" animBg="1"/>
+      <p:bldP spid="6" grpId="0" animBg="1"/>
+      <p:bldP spid="7" grpId="0" animBg="1"/>
+    </p:bldLst>
+  </p:timing>
 </p:sld>
 </file>
 
@@ -8011,7 +8760,7 @@
       </p:grpSpPr>
       <p:pic>
         <p:nvPicPr>
-          <p:cNvPr id="4" name="Immagine 3" descr="Fontys-Logo.png"/>
+          <p:cNvPr id="5" name="Immagine 4" descr="iot2-2.png"/>
           <p:cNvPicPr>
             <a:picLocks noChangeAspect="1"/>
           </p:cNvPicPr>
@@ -8031,174 +8780,31 @@
         </p:blipFill>
         <p:spPr>
           <a:xfrm>
-            <a:off x="7029036" y="0"/>
-            <a:ext cx="2114964" cy="1069114"/>
+            <a:off x="0" y="0"/>
+            <a:ext cx="9144000" cy="6492392"/>
           </a:xfrm>
           <a:prstGeom prst="rect">
             <a:avLst/>
           </a:prstGeom>
-        </p:spPr>
-      </p:pic>
-      <p:cxnSp>
-        <p:nvCxnSpPr>
-          <p:cNvPr id="5" name="Connettore 1 4"/>
-          <p:cNvCxnSpPr/>
-          <p:nvPr/>
-        </p:nvCxnSpPr>
-        <p:spPr>
-          <a:xfrm flipH="1">
-            <a:off x="0" y="1069114"/>
-            <a:ext cx="9144000" cy="0"/>
-          </a:xfrm>
-          <a:prstGeom prst="line">
-            <a:avLst/>
-          </a:prstGeom>
-        </p:spPr>
-        <p:style>
-          <a:lnRef idx="2">
-            <a:schemeClr val="accent4"/>
-          </a:lnRef>
-          <a:fillRef idx="0">
-            <a:schemeClr val="accent4"/>
-          </a:fillRef>
-          <a:effectRef idx="1">
-            <a:schemeClr val="accent4"/>
-          </a:effectRef>
-          <a:fontRef idx="minor">
-            <a:schemeClr val="tx1"/>
-          </a:fontRef>
-        </p:style>
-      </p:cxnSp>
-      <p:sp>
-        <p:nvSpPr>
-          <p:cNvPr id="9" name="Segnaposto data 8"/>
-          <p:cNvSpPr>
-            <a:spLocks noGrp="1"/>
-          </p:cNvSpPr>
-          <p:nvPr>
-            <p:ph type="dt" sz="half" idx="10"/>
-          </p:nvPr>
-        </p:nvSpPr>
-        <p:spPr/>
-        <p:txBody>
-          <a:bodyPr/>
-          <a:lstStyle/>
-          <a:p>
-            <a:fld id="{B1253229-7213-8B4A-8845-FC7D050562D2}" type="datetime1">
-              <a:rPr lang="en-US" smtClean="0"/>
-              <a:t>12-May-17</a:t>
-            </a:fld>
-            <a:endParaRPr lang="it-IT"/>
-          </a:p>
-        </p:txBody>
-      </p:sp>
-      <p:sp>
-        <p:nvSpPr>
-          <p:cNvPr id="10" name="Segnaposto numero diapositiva 9"/>
-          <p:cNvSpPr>
-            <a:spLocks noGrp="1"/>
-          </p:cNvSpPr>
-          <p:nvPr>
-            <p:ph type="sldNum" sz="quarter" idx="12"/>
-          </p:nvPr>
-        </p:nvSpPr>
-        <p:spPr/>
-        <p:txBody>
-          <a:bodyPr/>
-          <a:lstStyle/>
-          <a:p>
-            <a:fld id="{6A22E5DC-92A3-8C4E-A8C6-64AFAF2C8E0F}" type="slidenum">
-              <a:rPr lang="it-IT" smtClean="0"/>
-              <a:t>7</a:t>
-            </a:fld>
-            <a:endParaRPr lang="it-IT"/>
-          </a:p>
-        </p:txBody>
-      </p:sp>
-      <p:sp>
-        <p:nvSpPr>
-          <p:cNvPr id="12" name="Titolo 1"/>
-          <p:cNvSpPr>
-            <a:spLocks noGrp="1"/>
-          </p:cNvSpPr>
-          <p:nvPr>
-            <p:ph type="title"/>
-          </p:nvPr>
-        </p:nvSpPr>
-        <p:spPr>
-          <a:xfrm>
-            <a:off x="457199" y="274638"/>
-            <a:ext cx="5271912" cy="794476"/>
-          </a:xfrm>
-        </p:spPr>
-        <p:txBody>
-          <a:bodyPr>
-            <a:normAutofit/>
-          </a:bodyPr>
-          <a:lstStyle/>
-          <a:p>
-            <a:r>
-              <a:rPr lang="it-IT" b="1" dirty="0">
-                <a:solidFill>
-                  <a:srgbClr val="660066"/>
-                </a:solidFill>
-              </a:rPr>
-              <a:t>Results</a:t>
-            </a:r>
-          </a:p>
-        </p:txBody>
-      </p:sp>
-      <p:pic>
-        <p:nvPicPr>
-          <p:cNvPr id="2050" name="Picture 2" descr="https://raw.githubusercontent.com/InternetOfTrash/iot-docs/master/images/Screenshot%20from%202017-05-12%2013-47-06.png"/>
-          <p:cNvPicPr>
-            <a:picLocks noChangeAspect="1" noChangeArrowheads="1"/>
-          </p:cNvPicPr>
-          <p:nvPr/>
-        </p:nvPicPr>
-        <p:blipFill>
-          <a:blip r:embed="rId3">
-            <a:extLst>
-              <a:ext uri="{28A0092B-C50C-407E-A947-70E740481C1C}">
-                <a14:useLocalDpi xmlns:a14="http://schemas.microsoft.com/office/drawing/2010/main" val="0"/>
-              </a:ext>
-            </a:extLst>
-          </a:blip>
-          <a:srcRect/>
-          <a:stretch>
-            <a:fillRect/>
-          </a:stretch>
-        </p:blipFill>
-        <p:spPr bwMode="auto">
-          <a:xfrm>
-            <a:off x="0" y="1068388"/>
-            <a:ext cx="9144000" cy="4719637"/>
-          </a:xfrm>
-          <a:prstGeom prst="rect">
-            <a:avLst/>
-          </a:prstGeom>
-          <a:noFill/>
-          <a:extLst>
-            <a:ext uri="{909E8E84-426E-40DD-AFC4-6F175D3DCCD1}">
-              <a14:hiddenFill xmlns:a14="http://schemas.microsoft.com/office/drawing/2010/main">
-                <a:solidFill>
-                  <a:srgbClr val="FFFFFF"/>
-                </a:solidFill>
-              </a14:hiddenFill>
-            </a:ext>
-          </a:extLst>
         </p:spPr>
       </p:pic>
     </p:spTree>
     <p:extLst>
       <p:ext uri="{BB962C8B-B14F-4D97-AF65-F5344CB8AC3E}">
-        <p14:creationId xmlns:p14="http://schemas.microsoft.com/office/powerpoint/2010/main" val="1452126955"/>
+        <p14:creationId xmlns:p14="http://schemas.microsoft.com/office/powerpoint/2010/main" val="1655447920"/>
       </p:ext>
     </p:extLst>
   </p:cSld>
   <p:clrMapOvr>
     <a:masterClrMapping/>
   </p:clrMapOvr>
+  <p:timing>
+    <p:tnLst>
+      <p:par>
+        <p:cTn xmlns:p14="http://schemas.microsoft.com/office/powerpoint/2010/main" id="1" dur="indefinite" restart="never" nodeType="tmRoot"/>
+      </p:par>
+    </p:tnLst>
+  </p:timing>
 </p:sld>
 </file>
 
@@ -8296,7 +8902,7 @@
           <a:p>
             <a:fld id="{B1253229-7213-8B4A-8845-FC7D050562D2}" type="datetime1">
               <a:rPr lang="en-US" smtClean="0"/>
-              <a:t>12-May-17</a:t>
+              <a:t>14/05/17</a:t>
             </a:fld>
             <a:endParaRPr lang="it-IT"/>
           </a:p>
@@ -8360,55 +8966,45 @@
       </p:sp>
       <p:pic>
         <p:nvPicPr>
-          <p:cNvPr id="3078" name="Picture 6" descr="https://raw.githubusercontent.com/InternetOfTrash/iot-docs/master/images/Screenshot%20from%202017-05-12%2014-29-08.png"/>
+          <p:cNvPr id="3" name="Picture 2"/>
           <p:cNvPicPr>
-            <a:picLocks noChangeAspect="1" noChangeArrowheads="1"/>
+            <a:picLocks noChangeAspect="1"/>
           </p:cNvPicPr>
           <p:nvPr/>
         </p:nvPicPr>
         <p:blipFill>
-          <a:blip r:embed="rId3">
-            <a:extLst>
-              <a:ext uri="{28A0092B-C50C-407E-A947-70E740481C1C}">
-                <a14:useLocalDpi xmlns:a14="http://schemas.microsoft.com/office/drawing/2010/main" val="0"/>
-              </a:ext>
-            </a:extLst>
-          </a:blip>
-          <a:srcRect/>
+          <a:blip r:embed="rId3"/>
           <a:stretch>
             <a:fillRect/>
           </a:stretch>
         </p:blipFill>
-        <p:spPr bwMode="auto">
-          <a:xfrm>
-            <a:off x="183728" y="1219200"/>
-            <a:ext cx="8826160" cy="4584700"/>
+        <p:spPr>
+          <a:xfrm>
+            <a:off x="727969" y="1141880"/>
+            <a:ext cx="7521614" cy="5716120"/>
           </a:xfrm>
           <a:prstGeom prst="rect">
             <a:avLst/>
           </a:prstGeom>
-          <a:noFill/>
-          <a:extLst>
-            <a:ext uri="{909E8E84-426E-40DD-AFC4-6F175D3DCCD1}">
-              <a14:hiddenFill xmlns:a14="http://schemas.microsoft.com/office/drawing/2010/main">
-                <a:solidFill>
-                  <a:srgbClr val="FFFFFF"/>
-                </a:solidFill>
-              </a14:hiddenFill>
-            </a:ext>
-          </a:extLst>
         </p:spPr>
       </p:pic>
     </p:spTree>
     <p:extLst>
       <p:ext uri="{BB962C8B-B14F-4D97-AF65-F5344CB8AC3E}">
-        <p14:creationId xmlns:p14="http://schemas.microsoft.com/office/powerpoint/2010/main" val="1359349170"/>
+        <p14:creationId xmlns:p14="http://schemas.microsoft.com/office/powerpoint/2010/main" val="1977957147"/>
       </p:ext>
     </p:extLst>
   </p:cSld>
   <p:clrMapOvr>
     <a:masterClrMapping/>
   </p:clrMapOvr>
+  <p:timing>
+    <p:tnLst>
+      <p:par>
+        <p:cTn xmlns:p14="http://schemas.microsoft.com/office/powerpoint/2010/main" id="1" dur="indefinite" restart="never" nodeType="tmRoot"/>
+      </p:par>
+    </p:tnLst>
+  </p:timing>
 </p:sld>
 </file>
 
@@ -8506,7 +9102,7 @@
           <a:p>
             <a:fld id="{B1253229-7213-8B4A-8845-FC7D050562D2}" type="datetime1">
               <a:rPr lang="en-US" smtClean="0"/>
-              <a:t>12-May-17</a:t>
+              <a:t>14/05/17</a:t>
             </a:fld>
             <a:endParaRPr lang="it-IT"/>
           </a:p>
@@ -8570,62 +9166,62 @@
       </p:sp>
       <p:pic>
         <p:nvPicPr>
-          <p:cNvPr id="3" name="Picture 2"/>
+          <p:cNvPr id="2050" name="Picture 2" descr="https://raw.githubusercontent.com/InternetOfTrash/iot-docs/master/images/Screenshot%20from%202017-05-12%2013-47-06.png"/>
           <p:cNvPicPr>
-            <a:picLocks noChangeAspect="1"/>
+            <a:picLocks noChangeAspect="1" noChangeArrowheads="1"/>
           </p:cNvPicPr>
           <p:nvPr/>
         </p:nvPicPr>
         <p:blipFill>
-          <a:blip r:embed="rId3"/>
+          <a:blip r:embed="rId3">
+            <a:extLst>
+              <a:ext uri="{28A0092B-C50C-407E-A947-70E740481C1C}">
+                <a14:useLocalDpi xmlns:a14="http://schemas.microsoft.com/office/drawing/2010/main" val="0"/>
+              </a:ext>
+            </a:extLst>
+          </a:blip>
+          <a:srcRect/>
           <a:stretch>
             <a:fillRect/>
           </a:stretch>
         </p:blipFill>
-        <p:spPr>
-          <a:xfrm>
-            <a:off x="4691401" y="1526824"/>
-            <a:ext cx="3995399" cy="4829526"/>
+        <p:spPr bwMode="auto">
+          <a:xfrm>
+            <a:off x="0" y="1068388"/>
+            <a:ext cx="9144000" cy="4719637"/>
           </a:xfrm>
           <a:prstGeom prst="rect">
             <a:avLst/>
           </a:prstGeom>
-        </p:spPr>
-      </p:pic>
-      <p:pic>
-        <p:nvPicPr>
-          <p:cNvPr id="7" name="Picture 6"/>
-          <p:cNvPicPr>
-            <a:picLocks noChangeAspect="1"/>
-          </p:cNvPicPr>
-          <p:nvPr/>
-        </p:nvPicPr>
-        <p:blipFill>
-          <a:blip r:embed="rId4"/>
-          <a:stretch>
-            <a:fillRect/>
-          </a:stretch>
-        </p:blipFill>
-        <p:spPr>
-          <a:xfrm>
-            <a:off x="185319" y="1526824"/>
-            <a:ext cx="3699739" cy="4829525"/>
-          </a:xfrm>
-          <a:prstGeom prst="rect">
-            <a:avLst/>
-          </a:prstGeom>
+          <a:noFill/>
+          <a:extLst>
+            <a:ext uri="{909E8E84-426E-40dd-AFC4-6F175D3DCCD1}">
+              <a14:hiddenFill xmlns:a14="http://schemas.microsoft.com/office/drawing/2010/main">
+                <a:solidFill>
+                  <a:srgbClr val="FFFFFF"/>
+                </a:solidFill>
+              </a14:hiddenFill>
+            </a:ext>
+          </a:extLst>
         </p:spPr>
       </p:pic>
     </p:spTree>
     <p:extLst>
       <p:ext uri="{BB962C8B-B14F-4D97-AF65-F5344CB8AC3E}">
-        <p14:creationId xmlns:p14="http://schemas.microsoft.com/office/powerpoint/2010/main" val="3588224205"/>
+        <p14:creationId xmlns:p14="http://schemas.microsoft.com/office/powerpoint/2010/main" val="1452126955"/>
       </p:ext>
     </p:extLst>
   </p:cSld>
   <p:clrMapOvr>
     <a:masterClrMapping/>
   </p:clrMapOvr>
+  <p:timing>
+    <p:tnLst>
+      <p:par>
+        <p:cTn xmlns:p14="http://schemas.microsoft.com/office/powerpoint/2010/main" id="1" dur="indefinite" restart="never" nodeType="tmRoot"/>
+      </p:par>
+    </p:tnLst>
+  </p:timing>
 </p:sld>
 </file>
 
